--- a/PPT/Basda 7 - Subquery.pptx
+++ b/PPT/Basda 7 - Subquery.pptx
@@ -8301,7 +8301,7 @@
           <a:p>
             <a:fld id="{D3DC6A8A-4AC7-494A-8C3E-3CB4F943081F}" type="datetimeFigureOut">
               <a:rPr lang="id-ID" smtClean="0"/>
-              <a:t>12/04/2017</a:t>
+              <a:t>03/05/2017</a:t>
             </a:fld>
             <a:endParaRPr lang="id-ID"/>
           </a:p>
@@ -8795,7 +8795,7 @@
           <a:p>
             <a:fld id="{70200991-C7A5-43A3-BBB6-41386CB52442}" type="datetime1">
               <a:rPr lang="id-ID" smtClean="0"/>
-              <a:t>12/04/2017</a:t>
+              <a:t>03/05/2017</a:t>
             </a:fld>
             <a:endParaRPr lang="id-ID"/>
           </a:p>
@@ -9007,7 +9007,7 @@
           <a:p>
             <a:fld id="{139B051C-657A-44E2-9F15-8D06379BB864}" type="datetime1">
               <a:rPr lang="id-ID" smtClean="0"/>
-              <a:t>12/04/2017</a:t>
+              <a:t>03/05/2017</a:t>
             </a:fld>
             <a:endParaRPr lang="id-ID"/>
           </a:p>
@@ -9267,7 +9267,7 @@
           <a:p>
             <a:fld id="{1EE991B3-D3D9-4D52-9926-548D18F07485}" type="datetime1">
               <a:rPr lang="id-ID" smtClean="0"/>
-              <a:t>12/04/2017</a:t>
+              <a:t>03/05/2017</a:t>
             </a:fld>
             <a:endParaRPr lang="id-ID"/>
           </a:p>
@@ -9441,7 +9441,7 @@
           <a:p>
             <a:fld id="{09DEEA2A-BEF4-425B-964B-EA389BF42743}" type="datetime1">
               <a:rPr lang="id-ID" smtClean="0"/>
-              <a:t>12/04/2017</a:t>
+              <a:t>03/05/2017</a:t>
             </a:fld>
             <a:endParaRPr lang="id-ID"/>
           </a:p>
@@ -9788,7 +9788,7 @@
           <a:p>
             <a:fld id="{080E2880-8AE7-47D7-9F0D-B569C1A53781}" type="datetime1">
               <a:rPr lang="id-ID" smtClean="0"/>
-              <a:t>12/04/2017</a:t>
+              <a:t>03/05/2017</a:t>
             </a:fld>
             <a:endParaRPr lang="id-ID"/>
           </a:p>
@@ -10067,7 +10067,7 @@
           <a:p>
             <a:fld id="{24033CEE-07A9-48B8-8D5D-7B81EA6D949E}" type="datetime1">
               <a:rPr lang="id-ID" smtClean="0"/>
-              <a:t>12/04/2017</a:t>
+              <a:t>03/05/2017</a:t>
             </a:fld>
             <a:endParaRPr lang="id-ID"/>
           </a:p>
@@ -10450,7 +10450,7 @@
           <a:p>
             <a:fld id="{55C280CE-65FE-4B95-B941-A99E657142BC}" type="datetime1">
               <a:rPr lang="id-ID" smtClean="0"/>
-              <a:t>12/04/2017</a:t>
+              <a:t>03/05/2017</a:t>
             </a:fld>
             <a:endParaRPr lang="id-ID"/>
           </a:p>
@@ -10572,7 +10572,7 @@
           <a:p>
             <a:fld id="{A234E2B1-6F0B-4456-8BEC-BE75CE7E7599}" type="datetime1">
               <a:rPr lang="id-ID" smtClean="0"/>
-              <a:t>12/04/2017</a:t>
+              <a:t>03/05/2017</a:t>
             </a:fld>
             <a:endParaRPr lang="id-ID"/>
           </a:p>
@@ -10747,7 +10747,7 @@
           <a:p>
             <a:fld id="{831439B6-FA5B-46EF-BC82-08BFF8F947B1}" type="datetime1">
               <a:rPr lang="id-ID" smtClean="0"/>
-              <a:t>12/04/2017</a:t>
+              <a:t>03/05/2017</a:t>
             </a:fld>
             <a:endParaRPr lang="id-ID"/>
           </a:p>
@@ -11105,7 +11105,7 @@
           <a:p>
             <a:fld id="{E3CDD8C2-5C29-4D0E-BD09-8A0134270043}" type="datetime1">
               <a:rPr lang="id-ID" smtClean="0"/>
-              <a:t>12/04/2017</a:t>
+              <a:t>03/05/2017</a:t>
             </a:fld>
             <a:endParaRPr lang="id-ID"/>
           </a:p>
@@ -11486,7 +11486,7 @@
           <a:p>
             <a:fld id="{8295D693-FE25-496F-9D16-711A5B899052}" type="datetime1">
               <a:rPr lang="id-ID" smtClean="0"/>
-              <a:t>12/04/2017</a:t>
+              <a:t>03/05/2017</a:t>
             </a:fld>
             <a:endParaRPr lang="id-ID"/>
           </a:p>
@@ -11777,7 +11777,7 @@
           <a:p>
             <a:fld id="{DEE26627-15C7-46F1-8633-397B1238B658}" type="datetime1">
               <a:rPr lang="id-ID" smtClean="0"/>
-              <a:t>12/04/2017</a:t>
+              <a:t>03/05/2017</a:t>
             </a:fld>
             <a:endParaRPr lang="id-ID"/>
           </a:p>
@@ -12363,8 +12363,12 @@
           </a:p>
           <a:p>
             <a:r>
+              <a:rPr lang="id-ID" smtClean="0"/>
+              <a:t>S1 Teknik </a:t>
+            </a:r>
+            <a:r>
               <a:rPr lang="id-ID" dirty="0"/>
-              <a:t>D3 Manajemen Informatika STIKOM PGRI </a:t>
+              <a:t>Informatika STIKOM PGRI </a:t>
             </a:r>
             <a:r>
               <a:rPr lang="id-ID" dirty="0" smtClean="0"/>
@@ -17318,11 +17322,11 @@
   <p:clrMapOvr>
     <a:masterClrMapping/>
   </p:clrMapOvr>
-  <mc:AlternateContent xmlns:mc="http://schemas.openxmlformats.org/markup-compatibility/2006">
-    <mc:Choice xmlns:p14="http://schemas.microsoft.com/office/powerpoint/2010/main" Requires="p14">
+  <mc:AlternateContent xmlns:mc="http://schemas.openxmlformats.org/markup-compatibility/2006" xmlns:p14="http://schemas.microsoft.com/office/powerpoint/2010/main">
+    <mc:Choice Requires="p14">
       <p:transition spd="slow" p14:dur="2000"/>
     </mc:Choice>
-    <mc:Fallback>
+    <mc:Fallback xmlns="">
       <p:transition spd="slow"/>
     </mc:Fallback>
   </mc:AlternateContent>
@@ -18204,11 +18208,11 @@
   <p:clrMapOvr>
     <a:masterClrMapping/>
   </p:clrMapOvr>
-  <mc:AlternateContent xmlns:mc="http://schemas.openxmlformats.org/markup-compatibility/2006">
-    <mc:Choice xmlns:p14="http://schemas.microsoft.com/office/powerpoint/2010/main" Requires="p14">
+  <mc:AlternateContent xmlns:mc="http://schemas.openxmlformats.org/markup-compatibility/2006" xmlns:p14="http://schemas.microsoft.com/office/powerpoint/2010/main">
+    <mc:Choice Requires="p14">
       <p:transition spd="slow" p14:dur="2000"/>
     </mc:Choice>
-    <mc:Fallback>
+    <mc:Fallback xmlns="">
       <p:transition spd="slow"/>
     </mc:Fallback>
   </mc:AlternateContent>
@@ -19419,11 +19423,11 @@
   <p:clrMapOvr>
     <a:masterClrMapping/>
   </p:clrMapOvr>
-  <mc:AlternateContent xmlns:mc="http://schemas.openxmlformats.org/markup-compatibility/2006">
-    <mc:Choice xmlns:p14="http://schemas.microsoft.com/office/powerpoint/2010/main" Requires="p14">
+  <mc:AlternateContent xmlns:mc="http://schemas.openxmlformats.org/markup-compatibility/2006" xmlns:p14="http://schemas.microsoft.com/office/powerpoint/2010/main">
+    <mc:Choice Requires="p14">
       <p:transition spd="slow" p14:dur="2000"/>
     </mc:Choice>
-    <mc:Fallback>
+    <mc:Fallback xmlns="">
       <p:transition spd="slow"/>
     </mc:Fallback>
   </mc:AlternateContent>
